--- a/無双ゲーム/プレゼンテーション/Blow Off Blow.pptx
+++ b/無双ゲーム/プレゼンテーション/Blow Off Blow.pptx
@@ -11,9 +11,9 @@
     <p:sldId id="256" r:id="rId2"/>
     <p:sldId id="263" r:id="rId3"/>
     <p:sldId id="257" r:id="rId4"/>
-    <p:sldId id="258" r:id="rId5"/>
-    <p:sldId id="259" r:id="rId6"/>
-    <p:sldId id="262" r:id="rId7"/>
+    <p:sldId id="264" r:id="rId5"/>
+    <p:sldId id="265" r:id="rId6"/>
+    <p:sldId id="266" r:id="rId7"/>
   </p:sldIdLst>
   <p:sldSz cx="12192000" cy="6858000"/>
   <p:notesSz cx="6858000" cy="9144000"/>
@@ -202,7 +202,7 @@
           <a:p>
             <a:fld id="{7B58A7A4-BC21-4DF7-812A-DD7D8DE00083}" type="datetimeFigureOut">
               <a:rPr kumimoji="1" lang="ja-JP" altLang="en-US" smtClean="0"/>
-              <a:t>2018/4/12</a:t>
+              <a:t>2018/5/11</a:t>
             </a:fld>
             <a:endParaRPr kumimoji="1" lang="ja-JP" altLang="en-US"/>
           </a:p>
@@ -586,6 +586,130 @@
 </p:notes>
 </file>
 
+<file path=ppt/notesSlides/notesSlide2.xml><?xml version="1.0" encoding="utf-8"?>
+<p:notes xmlns:a="http://schemas.openxmlformats.org/drawingml/2006/main" xmlns:r="http://schemas.openxmlformats.org/officeDocument/2006/relationships" xmlns:p="http://schemas.openxmlformats.org/presentationml/2006/main">
+  <p:cSld>
+    <p:spTree>
+      <p:nvGrpSpPr>
+        <p:cNvPr id="1" name=""/>
+        <p:cNvGrpSpPr/>
+        <p:nvPr/>
+      </p:nvGrpSpPr>
+      <p:grpSpPr>
+        <a:xfrm>
+          <a:off x="0" y="0"/>
+          <a:ext cx="0" cy="0"/>
+          <a:chOff x="0" y="0"/>
+          <a:chExt cx="0" cy="0"/>
+        </a:xfrm>
+      </p:grpSpPr>
+      <p:sp>
+        <p:nvSpPr>
+          <p:cNvPr id="2" name="スライド イメージ プレースホルダー 1"/>
+          <p:cNvSpPr>
+            <a:spLocks noGrp="1" noRot="1" noChangeAspect="1"/>
+          </p:cNvSpPr>
+          <p:nvPr>
+            <p:ph type="sldImg"/>
+          </p:nvPr>
+        </p:nvSpPr>
+        <p:spPr/>
+      </p:sp>
+      <p:sp>
+        <p:nvSpPr>
+          <p:cNvPr id="3" name="ノート プレースホルダー 2"/>
+          <p:cNvSpPr>
+            <a:spLocks noGrp="1"/>
+          </p:cNvSpPr>
+          <p:nvPr>
+            <p:ph type="body" idx="1"/>
+          </p:nvPr>
+        </p:nvSpPr>
+        <p:spPr/>
+        <p:txBody>
+          <a:bodyPr/>
+          <a:lstStyle/>
+          <a:p>
+            <a:r>
+              <a:rPr kumimoji="1" lang="ja-JP" altLang="en-US" dirty="0" smtClean="0"/>
+              <a:t>私が現在進めているゲームはこちらです</a:t>
+            </a:r>
+            <a:r>
+              <a:rPr kumimoji="1" lang="en-US" altLang="ja-JP" dirty="0" smtClean="0"/>
+              <a:t>.</a:t>
+            </a:r>
+          </a:p>
+          <a:p>
+            <a:endParaRPr kumimoji="1" lang="en-US" altLang="ja-JP" dirty="0" smtClean="0"/>
+          </a:p>
+          <a:p>
+            <a:r>
+              <a:rPr kumimoji="1" lang="en-US" altLang="ja-JP" dirty="0" smtClean="0"/>
+              <a:t>Blow</a:t>
+            </a:r>
+            <a:r>
+              <a:rPr kumimoji="1" lang="en-US" altLang="ja-JP" baseline="0" dirty="0" smtClean="0"/>
+              <a:t> off Blow</a:t>
+            </a:r>
+          </a:p>
+          <a:p>
+            <a:endParaRPr kumimoji="1" lang="en-US" altLang="ja-JP" baseline="0" dirty="0" smtClean="0"/>
+          </a:p>
+          <a:p>
+            <a:r>
+              <a:rPr kumimoji="1" lang="ja-JP" altLang="en-US" baseline="0" dirty="0" smtClean="0"/>
+              <a:t>ちなみに意味は直訳するとこぶしで吹っ飛ばす</a:t>
+            </a:r>
+            <a:r>
+              <a:rPr kumimoji="1" lang="ja-JP" altLang="en-US" baseline="0" dirty="0" err="1" smtClean="0"/>
+              <a:t>です</a:t>
+            </a:r>
+            <a:r>
+              <a:rPr kumimoji="1" lang="en-US" altLang="ja-JP" baseline="0" smtClean="0"/>
+              <a:t>.</a:t>
+            </a:r>
+          </a:p>
+          <a:p>
+            <a:endParaRPr kumimoji="1" lang="ja-JP" altLang="en-US" dirty="0"/>
+          </a:p>
+        </p:txBody>
+      </p:sp>
+      <p:sp>
+        <p:nvSpPr>
+          <p:cNvPr id="4" name="スライド番号プレースホルダー 3"/>
+          <p:cNvSpPr>
+            <a:spLocks noGrp="1"/>
+          </p:cNvSpPr>
+          <p:nvPr>
+            <p:ph type="sldNum" sz="quarter" idx="10"/>
+          </p:nvPr>
+        </p:nvSpPr>
+        <p:spPr/>
+        <p:txBody>
+          <a:bodyPr/>
+          <a:lstStyle/>
+          <a:p>
+            <a:fld id="{86B648BA-716B-4551-A7DE-3E553008158C}" type="slidenum">
+              <a:rPr kumimoji="1" lang="ja-JP" altLang="en-US" smtClean="0"/>
+              <a:t>2</a:t>
+            </a:fld>
+            <a:endParaRPr kumimoji="1" lang="ja-JP" altLang="en-US"/>
+          </a:p>
+        </p:txBody>
+      </p:sp>
+    </p:spTree>
+    <p:extLst>
+      <p:ext uri="{BB962C8B-B14F-4D97-AF65-F5344CB8AC3E}">
+        <p14:creationId xmlns:p14="http://schemas.microsoft.com/office/powerpoint/2010/main" val="3555529938"/>
+      </p:ext>
+    </p:extLst>
+  </p:cSld>
+  <p:clrMapOvr>
+    <a:masterClrMapping/>
+  </p:clrMapOvr>
+</p:notes>
+</file>
+
 <file path=ppt/slideLayouts/slideLayout1.xml><?xml version="1.0" encoding="utf-8"?>
 <p:sldLayout xmlns:a="http://schemas.openxmlformats.org/drawingml/2006/main" xmlns:r="http://schemas.openxmlformats.org/officeDocument/2006/relationships" xmlns:p="http://schemas.openxmlformats.org/presentationml/2006/main" type="title" preserve="1">
   <p:cSld name="タイトル スライド">
@@ -717,7 +841,7 @@
           <a:p>
             <a:fld id="{FC0EA7EC-666D-4426-962C-3DC898C4CD07}" type="datetimeFigureOut">
               <a:rPr kumimoji="1" lang="ja-JP" altLang="en-US" smtClean="0"/>
-              <a:t>2018/4/12</a:t>
+              <a:t>2018/5/11</a:t>
             </a:fld>
             <a:endParaRPr kumimoji="1" lang="ja-JP" altLang="en-US"/>
           </a:p>
@@ -775,6 +899,18 @@
   <p:clrMapOvr>
     <a:masterClrMapping/>
   </p:clrMapOvr>
+  <mc:AlternateContent xmlns:mc="http://schemas.openxmlformats.org/markup-compatibility/2006">
+    <mc:Choice xmlns:p15="http://schemas.microsoft.com/office/powerpoint/2012/main" Requires="p15">
+      <p:transition xmlns:p14="http://schemas.microsoft.com/office/powerpoint/2010/main" spd="slow" p14:dur="2000">
+        <p15:prstTrans prst="fracture"/>
+      </p:transition>
+    </mc:Choice>
+    <mc:Fallback>
+      <p:transition spd="slow">
+        <p:fade/>
+      </p:transition>
+    </mc:Fallback>
+  </mc:AlternateContent>
 </p:sldLayout>
 </file>
 
@@ -919,7 +1055,7 @@
           <a:p>
             <a:fld id="{FC0EA7EC-666D-4426-962C-3DC898C4CD07}" type="datetimeFigureOut">
               <a:rPr kumimoji="1" lang="ja-JP" altLang="en-US" smtClean="0"/>
-              <a:t>2018/4/12</a:t>
+              <a:t>2018/5/11</a:t>
             </a:fld>
             <a:endParaRPr kumimoji="1" lang="ja-JP" altLang="en-US"/>
           </a:p>
@@ -977,6 +1113,18 @@
   <p:clrMapOvr>
     <a:masterClrMapping/>
   </p:clrMapOvr>
+  <mc:AlternateContent xmlns:mc="http://schemas.openxmlformats.org/markup-compatibility/2006">
+    <mc:Choice xmlns:p15="http://schemas.microsoft.com/office/powerpoint/2012/main" Requires="p15">
+      <p:transition xmlns:p14="http://schemas.microsoft.com/office/powerpoint/2010/main" spd="slow" p14:dur="2000">
+        <p15:prstTrans prst="fracture"/>
+      </p:transition>
+    </mc:Choice>
+    <mc:Fallback>
+      <p:transition spd="slow">
+        <p:fade/>
+      </p:transition>
+    </mc:Fallback>
+  </mc:AlternateContent>
 </p:sldLayout>
 </file>
 
@@ -1131,7 +1279,7 @@
           <a:p>
             <a:fld id="{FC0EA7EC-666D-4426-962C-3DC898C4CD07}" type="datetimeFigureOut">
               <a:rPr kumimoji="1" lang="ja-JP" altLang="en-US" smtClean="0"/>
-              <a:t>2018/4/12</a:t>
+              <a:t>2018/5/11</a:t>
             </a:fld>
             <a:endParaRPr kumimoji="1" lang="ja-JP" altLang="en-US"/>
           </a:p>
@@ -1189,6 +1337,18 @@
   <p:clrMapOvr>
     <a:masterClrMapping/>
   </p:clrMapOvr>
+  <mc:AlternateContent xmlns:mc="http://schemas.openxmlformats.org/markup-compatibility/2006">
+    <mc:Choice xmlns:p15="http://schemas.microsoft.com/office/powerpoint/2012/main" Requires="p15">
+      <p:transition xmlns:p14="http://schemas.microsoft.com/office/powerpoint/2010/main" spd="slow" p14:dur="2000">
+        <p15:prstTrans prst="fracture"/>
+      </p:transition>
+    </mc:Choice>
+    <mc:Fallback>
+      <p:transition spd="slow">
+        <p:fade/>
+      </p:transition>
+    </mc:Fallback>
+  </mc:AlternateContent>
 </p:sldLayout>
 </file>
 
@@ -1333,7 +1493,7 @@
           <a:p>
             <a:fld id="{FC0EA7EC-666D-4426-962C-3DC898C4CD07}" type="datetimeFigureOut">
               <a:rPr kumimoji="1" lang="ja-JP" altLang="en-US" smtClean="0"/>
-              <a:t>2018/4/12</a:t>
+              <a:t>2018/5/11</a:t>
             </a:fld>
             <a:endParaRPr kumimoji="1" lang="ja-JP" altLang="en-US"/>
           </a:p>
@@ -1391,6 +1551,18 @@
   <p:clrMapOvr>
     <a:masterClrMapping/>
   </p:clrMapOvr>
+  <mc:AlternateContent xmlns:mc="http://schemas.openxmlformats.org/markup-compatibility/2006">
+    <mc:Choice xmlns:p15="http://schemas.microsoft.com/office/powerpoint/2012/main" Requires="p15">
+      <p:transition xmlns:p14="http://schemas.microsoft.com/office/powerpoint/2010/main" spd="slow" p14:dur="2000">
+        <p15:prstTrans prst="fracture"/>
+      </p:transition>
+    </mc:Choice>
+    <mc:Fallback>
+      <p:transition spd="slow">
+        <p:fade/>
+      </p:transition>
+    </mc:Fallback>
+  </mc:AlternateContent>
 </p:sldLayout>
 </file>
 
@@ -1579,7 +1751,7 @@
           <a:p>
             <a:fld id="{FC0EA7EC-666D-4426-962C-3DC898C4CD07}" type="datetimeFigureOut">
               <a:rPr kumimoji="1" lang="ja-JP" altLang="en-US" smtClean="0"/>
-              <a:t>2018/4/12</a:t>
+              <a:t>2018/5/11</a:t>
             </a:fld>
             <a:endParaRPr kumimoji="1" lang="ja-JP" altLang="en-US"/>
           </a:p>
@@ -1637,6 +1809,18 @@
   <p:clrMapOvr>
     <a:masterClrMapping/>
   </p:clrMapOvr>
+  <mc:AlternateContent xmlns:mc="http://schemas.openxmlformats.org/markup-compatibility/2006">
+    <mc:Choice xmlns:p15="http://schemas.microsoft.com/office/powerpoint/2012/main" Requires="p15">
+      <p:transition xmlns:p14="http://schemas.microsoft.com/office/powerpoint/2010/main" spd="slow" p14:dur="2000">
+        <p15:prstTrans prst="fracture"/>
+      </p:transition>
+    </mc:Choice>
+    <mc:Fallback>
+      <p:transition spd="slow">
+        <p:fade/>
+      </p:transition>
+    </mc:Fallback>
+  </mc:AlternateContent>
 </p:sldLayout>
 </file>
 
@@ -1875,7 +2059,7 @@
           <a:p>
             <a:fld id="{FC0EA7EC-666D-4426-962C-3DC898C4CD07}" type="datetimeFigureOut">
               <a:rPr kumimoji="1" lang="ja-JP" altLang="en-US" smtClean="0"/>
-              <a:t>2018/4/12</a:t>
+              <a:t>2018/5/11</a:t>
             </a:fld>
             <a:endParaRPr kumimoji="1" lang="ja-JP" altLang="en-US"/>
           </a:p>
@@ -1933,6 +2117,18 @@
   <p:clrMapOvr>
     <a:masterClrMapping/>
   </p:clrMapOvr>
+  <mc:AlternateContent xmlns:mc="http://schemas.openxmlformats.org/markup-compatibility/2006">
+    <mc:Choice xmlns:p15="http://schemas.microsoft.com/office/powerpoint/2012/main" Requires="p15">
+      <p:transition xmlns:p14="http://schemas.microsoft.com/office/powerpoint/2010/main" spd="slow" p14:dur="2000">
+        <p15:prstTrans prst="fracture"/>
+      </p:transition>
+    </mc:Choice>
+    <mc:Fallback>
+      <p:transition spd="slow">
+        <p:fade/>
+      </p:transition>
+    </mc:Fallback>
+  </mc:AlternateContent>
 </p:sldLayout>
 </file>
 
@@ -2306,7 +2502,7 @@
           <a:p>
             <a:fld id="{FC0EA7EC-666D-4426-962C-3DC898C4CD07}" type="datetimeFigureOut">
               <a:rPr kumimoji="1" lang="ja-JP" altLang="en-US" smtClean="0"/>
-              <a:t>2018/4/12</a:t>
+              <a:t>2018/5/11</a:t>
             </a:fld>
             <a:endParaRPr kumimoji="1" lang="ja-JP" altLang="en-US"/>
           </a:p>
@@ -2364,6 +2560,18 @@
   <p:clrMapOvr>
     <a:masterClrMapping/>
   </p:clrMapOvr>
+  <mc:AlternateContent xmlns:mc="http://schemas.openxmlformats.org/markup-compatibility/2006">
+    <mc:Choice xmlns:p15="http://schemas.microsoft.com/office/powerpoint/2012/main" Requires="p15">
+      <p:transition xmlns:p14="http://schemas.microsoft.com/office/powerpoint/2010/main" spd="slow" p14:dur="2000">
+        <p15:prstTrans prst="fracture"/>
+      </p:transition>
+    </mc:Choice>
+    <mc:Fallback>
+      <p:transition spd="slow">
+        <p:fade/>
+      </p:transition>
+    </mc:Fallback>
+  </mc:AlternateContent>
 </p:sldLayout>
 </file>
 
@@ -2424,7 +2632,7 @@
           <a:p>
             <a:fld id="{FC0EA7EC-666D-4426-962C-3DC898C4CD07}" type="datetimeFigureOut">
               <a:rPr kumimoji="1" lang="ja-JP" altLang="en-US" smtClean="0"/>
-              <a:t>2018/4/12</a:t>
+              <a:t>2018/5/11</a:t>
             </a:fld>
             <a:endParaRPr kumimoji="1" lang="ja-JP" altLang="en-US"/>
           </a:p>
@@ -2482,6 +2690,18 @@
   <p:clrMapOvr>
     <a:masterClrMapping/>
   </p:clrMapOvr>
+  <mc:AlternateContent xmlns:mc="http://schemas.openxmlformats.org/markup-compatibility/2006">
+    <mc:Choice xmlns:p15="http://schemas.microsoft.com/office/powerpoint/2012/main" Requires="p15">
+      <p:transition xmlns:p14="http://schemas.microsoft.com/office/powerpoint/2010/main" spd="slow" p14:dur="2000">
+        <p15:prstTrans prst="fracture"/>
+      </p:transition>
+    </mc:Choice>
+    <mc:Fallback>
+      <p:transition spd="slow">
+        <p:fade/>
+      </p:transition>
+    </mc:Fallback>
+  </mc:AlternateContent>
 </p:sldLayout>
 </file>
 
@@ -2519,7 +2739,7 @@
           <a:p>
             <a:fld id="{FC0EA7EC-666D-4426-962C-3DC898C4CD07}" type="datetimeFigureOut">
               <a:rPr kumimoji="1" lang="ja-JP" altLang="en-US" smtClean="0"/>
-              <a:t>2018/4/12</a:t>
+              <a:t>2018/5/11</a:t>
             </a:fld>
             <a:endParaRPr kumimoji="1" lang="ja-JP" altLang="en-US"/>
           </a:p>
@@ -2577,6 +2797,18 @@
   <p:clrMapOvr>
     <a:masterClrMapping/>
   </p:clrMapOvr>
+  <mc:AlternateContent xmlns:mc="http://schemas.openxmlformats.org/markup-compatibility/2006">
+    <mc:Choice xmlns:p15="http://schemas.microsoft.com/office/powerpoint/2012/main" Requires="p15">
+      <p:transition xmlns:p14="http://schemas.microsoft.com/office/powerpoint/2010/main" spd="slow" p14:dur="2000">
+        <p15:prstTrans prst="fracture"/>
+      </p:transition>
+    </mc:Choice>
+    <mc:Fallback>
+      <p:transition spd="slow">
+        <p:fade/>
+      </p:transition>
+    </mc:Fallback>
+  </mc:AlternateContent>
 </p:sldLayout>
 </file>
 
@@ -2828,7 +3060,7 @@
           <a:p>
             <a:fld id="{FC0EA7EC-666D-4426-962C-3DC898C4CD07}" type="datetimeFigureOut">
               <a:rPr kumimoji="1" lang="ja-JP" altLang="en-US" smtClean="0"/>
-              <a:t>2018/4/12</a:t>
+              <a:t>2018/5/11</a:t>
             </a:fld>
             <a:endParaRPr kumimoji="1" lang="ja-JP" altLang="en-US"/>
           </a:p>
@@ -2886,6 +3118,18 @@
   <p:clrMapOvr>
     <a:masterClrMapping/>
   </p:clrMapOvr>
+  <mc:AlternateContent xmlns:mc="http://schemas.openxmlformats.org/markup-compatibility/2006">
+    <mc:Choice xmlns:p15="http://schemas.microsoft.com/office/powerpoint/2012/main" Requires="p15">
+      <p:transition xmlns:p14="http://schemas.microsoft.com/office/powerpoint/2010/main" spd="slow" p14:dur="2000">
+        <p15:prstTrans prst="fracture"/>
+      </p:transition>
+    </mc:Choice>
+    <mc:Fallback>
+      <p:transition spd="slow">
+        <p:fade/>
+      </p:transition>
+    </mc:Fallback>
+  </mc:AlternateContent>
 </p:sldLayout>
 </file>
 
@@ -3081,7 +3325,7 @@
           <a:p>
             <a:fld id="{FC0EA7EC-666D-4426-962C-3DC898C4CD07}" type="datetimeFigureOut">
               <a:rPr kumimoji="1" lang="ja-JP" altLang="en-US" smtClean="0"/>
-              <a:t>2018/4/12</a:t>
+              <a:t>2018/5/11</a:t>
             </a:fld>
             <a:endParaRPr kumimoji="1" lang="ja-JP" altLang="en-US"/>
           </a:p>
@@ -3139,6 +3383,18 @@
   <p:clrMapOvr>
     <a:masterClrMapping/>
   </p:clrMapOvr>
+  <mc:AlternateContent xmlns:mc="http://schemas.openxmlformats.org/markup-compatibility/2006">
+    <mc:Choice xmlns:p15="http://schemas.microsoft.com/office/powerpoint/2012/main" Requires="p15">
+      <p:transition xmlns:p14="http://schemas.microsoft.com/office/powerpoint/2010/main" spd="slow" p14:dur="2000">
+        <p15:prstTrans prst="fracture"/>
+      </p:transition>
+    </mc:Choice>
+    <mc:Fallback>
+      <p:transition spd="slow">
+        <p:fade/>
+      </p:transition>
+    </mc:Fallback>
+  </mc:AlternateContent>
 </p:sldLayout>
 </file>
 
@@ -3326,7 +3582,7 @@
           <a:p>
             <a:fld id="{FC0EA7EC-666D-4426-962C-3DC898C4CD07}" type="datetimeFigureOut">
               <a:rPr kumimoji="1" lang="ja-JP" altLang="en-US" smtClean="0"/>
-              <a:t>2018/4/12</a:t>
+              <a:t>2018/5/11</a:t>
             </a:fld>
             <a:endParaRPr kumimoji="1" lang="ja-JP" altLang="en-US"/>
           </a:p>
@@ -3431,6 +3687,18 @@
     <p:sldLayoutId id="2147483687" r:id="rId10"/>
     <p:sldLayoutId id="2147483688" r:id="rId11"/>
   </p:sldLayoutIdLst>
+  <mc:AlternateContent xmlns:mc="http://schemas.openxmlformats.org/markup-compatibility/2006">
+    <mc:Choice xmlns:p15="http://schemas.microsoft.com/office/powerpoint/2012/main" Requires="p15">
+      <p:transition xmlns:p14="http://schemas.microsoft.com/office/powerpoint/2010/main" spd="slow" p14:dur="2000">
+        <p15:prstTrans prst="fracture"/>
+      </p:transition>
+    </mc:Choice>
+    <mc:Fallback>
+      <p:transition spd="slow">
+        <p:fade/>
+      </p:transition>
+    </mc:Fallback>
+  </mc:AlternateContent>
   <p:txStyles>
     <p:titleStyle>
       <a:lvl1pPr algn="l" defTabSz="914400" rtl="0" eaLnBrk="1" latinLnBrk="0" hangingPunct="1">
@@ -4352,6 +4620,18 @@
   <p:clrMapOvr>
     <a:masterClrMapping/>
   </p:clrMapOvr>
+  <mc:AlternateContent xmlns:mc="http://schemas.openxmlformats.org/markup-compatibility/2006">
+    <mc:Choice xmlns:p15="http://schemas.microsoft.com/office/powerpoint/2012/main" Requires="p15">
+      <p:transition xmlns:p14="http://schemas.microsoft.com/office/powerpoint/2010/main" spd="slow" p14:dur="2000">
+        <p15:prstTrans prst="fracture"/>
+      </p:transition>
+    </mc:Choice>
+    <mc:Fallback>
+      <p:transition spd="slow">
+        <p:fade/>
+      </p:transition>
+    </mc:Fallback>
+  </mc:AlternateContent>
   <p:timing>
     <p:tnLst>
       <p:par>
@@ -4389,42 +4669,82 @@
             <p:ph type="ctrTitle"/>
           </p:nvPr>
         </p:nvSpPr>
-        <p:spPr/>
+        <p:spPr>
+          <a:xfrm>
+            <a:off x="1524000" y="1359319"/>
+            <a:ext cx="9144000" cy="1268787"/>
+          </a:xfrm>
+        </p:spPr>
+        <p:txBody>
+          <a:bodyPr>
+            <a:noAutofit/>
+          </a:bodyPr>
+          <a:lstStyle/>
+          <a:p>
+            <a:r>
+              <a:rPr kumimoji="1" lang="en-US" altLang="ja-JP" sz="8000" dirty="0" smtClean="0">
+                <a:latin typeface="Vatican" pitchFamily="50" charset="0"/>
+              </a:rPr>
+              <a:t>Blow </a:t>
+            </a:r>
+            <a:r>
+              <a:rPr kumimoji="1" lang="en-US" altLang="ja-JP" sz="8800" dirty="0" smtClean="0">
+                <a:latin typeface="Vatican" pitchFamily="50" charset="0"/>
+              </a:rPr>
+              <a:t>off</a:t>
+            </a:r>
+            <a:r>
+              <a:rPr kumimoji="1" lang="en-US" altLang="ja-JP" sz="8000" dirty="0" smtClean="0">
+                <a:latin typeface="Vatican" pitchFamily="50" charset="0"/>
+              </a:rPr>
+              <a:t> Blow</a:t>
+            </a:r>
+            <a:endParaRPr kumimoji="1" lang="ja-JP" altLang="en-US" sz="8000" dirty="0">
+              <a:latin typeface="Vatican" pitchFamily="50" charset="0"/>
+            </a:endParaRPr>
+          </a:p>
+        </p:txBody>
+      </p:sp>
+      <p:sp>
+        <p:nvSpPr>
+          <p:cNvPr id="3" name="サブタイトル 2"/>
+          <p:cNvSpPr>
+            <a:spLocks noGrp="1"/>
+          </p:cNvSpPr>
+          <p:nvPr>
+            <p:ph type="subTitle" idx="1"/>
+          </p:nvPr>
+        </p:nvSpPr>
+        <p:spPr>
+          <a:xfrm>
+            <a:off x="1524000" y="2942261"/>
+            <a:ext cx="9144000" cy="1655762"/>
+          </a:xfrm>
+        </p:spPr>
         <p:txBody>
           <a:bodyPr/>
           <a:lstStyle/>
           <a:p>
             <a:r>
-              <a:rPr kumimoji="1" lang="en-US" altLang="ja-JP" dirty="0" smtClean="0"/>
-              <a:t>Blow off Blow</a:t>
-            </a:r>
-            <a:endParaRPr kumimoji="1" lang="ja-JP" altLang="en-US" dirty="0"/>
-          </a:p>
-        </p:txBody>
-      </p:sp>
-      <p:sp>
-        <p:nvSpPr>
-          <p:cNvPr id="3" name="サブタイトル 2"/>
-          <p:cNvSpPr>
-            <a:spLocks noGrp="1"/>
-          </p:cNvSpPr>
-          <p:nvPr>
-            <p:ph type="subTitle" idx="1"/>
-          </p:nvPr>
-        </p:nvSpPr>
-        <p:spPr/>
-        <p:txBody>
-          <a:bodyPr/>
-          <a:lstStyle/>
-          <a:p>
-            <a:r>
-              <a:rPr kumimoji="1" lang="ja-JP" altLang="en-US" dirty="0" smtClean="0"/>
-              <a:t>敵をぶっ飛ばす楽しさ</a:t>
-            </a:r>
-            <a:endParaRPr kumimoji="1" lang="en-US" altLang="ja-JP" dirty="0" smtClean="0"/>
-          </a:p>
-          <a:p>
-            <a:endParaRPr kumimoji="1" lang="ja-JP" altLang="en-US" dirty="0"/>
+              <a:rPr kumimoji="1" lang="ja-JP" altLang="en-US" sz="4400" dirty="0" smtClean="0"/>
+              <a:t>コンセプト</a:t>
+            </a:r>
+            <a:r>
+              <a:rPr kumimoji="1" lang="en-US" altLang="ja-JP" sz="4400" dirty="0" smtClean="0"/>
+              <a:t>:</a:t>
+            </a:r>
+            <a:r>
+              <a:rPr kumimoji="1" lang="ja-JP" altLang="en-US" sz="4400" dirty="0" smtClean="0"/>
+              <a:t>敵</a:t>
+            </a:r>
+            <a:r>
+              <a:rPr kumimoji="1" lang="ja-JP" altLang="en-US" sz="4400" dirty="0" smtClean="0"/>
+              <a:t>をぶっ飛ばす楽しさ</a:t>
+            </a:r>
+            <a:endParaRPr kumimoji="1" lang="en-US" altLang="ja-JP" sz="6600" dirty="0" smtClean="0"/>
+          </a:p>
+          <a:p>
+            <a:endParaRPr kumimoji="1" lang="ja-JP" altLang="en-US" sz="4000" dirty="0"/>
           </a:p>
         </p:txBody>
       </p:sp>
@@ -4437,7 +4757,7 @@
           <p:nvPr/>
         </p:nvPicPr>
         <p:blipFill>
-          <a:blip r:embed="rId2">
+          <a:blip r:embed="rId3">
             <a:extLst>
               <a:ext uri="{28A0092B-C50C-407E-A947-70E740481C1C}">
                 <a14:useLocalDpi xmlns:a14="http://schemas.microsoft.com/office/drawing/2010/main" val="0"/>
@@ -4466,8 +4786,8 @@
         </p:nvSpPr>
         <p:spPr>
           <a:xfrm>
-            <a:off x="8724452" y="5244353"/>
-            <a:ext cx="2610266" cy="923330"/>
+            <a:off x="7250654" y="4598023"/>
+            <a:ext cx="4499565" cy="1569660"/>
           </a:xfrm>
           <a:prstGeom prst="rect">
             <a:avLst/>
@@ -4481,31 +4801,65 @@
           <a:lstStyle/>
           <a:p>
             <a:r>
-              <a:rPr kumimoji="1" lang="ja-JP" altLang="en-US" dirty="0" smtClean="0"/>
+              <a:rPr kumimoji="1" lang="ja-JP" altLang="en-US" sz="3200" dirty="0" smtClean="0"/>
               <a:t>プラットフォーム</a:t>
             </a:r>
             <a:r>
-              <a:rPr kumimoji="1" lang="en-US" altLang="ja-JP" dirty="0" smtClean="0"/>
+              <a:rPr kumimoji="1" lang="en-US" altLang="ja-JP" sz="3200" dirty="0" smtClean="0"/>
               <a:t>:windows</a:t>
             </a:r>
           </a:p>
           <a:p>
-            <a:endParaRPr kumimoji="1" lang="en-US" altLang="ja-JP" dirty="0" smtClean="0"/>
-          </a:p>
-          <a:p>
-            <a:r>
-              <a:rPr kumimoji="1" lang="ja-JP" altLang="en-US" dirty="0" smtClean="0"/>
+            <a:endParaRPr kumimoji="1" lang="en-US" altLang="ja-JP" sz="3200" dirty="0" smtClean="0"/>
+          </a:p>
+          <a:p>
+            <a:r>
+              <a:rPr kumimoji="1" lang="ja-JP" altLang="en-US" sz="3200" dirty="0" smtClean="0"/>
               <a:t>ジャンル</a:t>
             </a:r>
             <a:r>
-              <a:rPr kumimoji="1" lang="en-US" altLang="ja-JP" dirty="0" smtClean="0"/>
+              <a:rPr kumimoji="1" lang="en-US" altLang="ja-JP" sz="3200" dirty="0" smtClean="0"/>
               <a:t>:</a:t>
             </a:r>
             <a:r>
-              <a:rPr kumimoji="1" lang="ja-JP" altLang="en-US" dirty="0" smtClean="0"/>
+              <a:rPr kumimoji="1" lang="ja-JP" altLang="en-US" sz="3200" dirty="0" smtClean="0"/>
               <a:t>無双ゲーム</a:t>
             </a:r>
-            <a:endParaRPr kumimoji="1" lang="ja-JP" altLang="en-US" dirty="0"/>
+            <a:endParaRPr kumimoji="1" lang="ja-JP" altLang="en-US" sz="3200" dirty="0"/>
+          </a:p>
+        </p:txBody>
+      </p:sp>
+      <p:sp>
+        <p:nvSpPr>
+          <p:cNvPr id="6" name="テキスト ボックス 5"/>
+          <p:cNvSpPr txBox="1"/>
+          <p:nvPr/>
+        </p:nvSpPr>
+        <p:spPr>
+          <a:xfrm>
+            <a:off x="3142307" y="2966733"/>
+            <a:ext cx="5907386" cy="646331"/>
+          </a:xfrm>
+          <a:prstGeom prst="rect">
+            <a:avLst/>
+          </a:prstGeom>
+          <a:noFill/>
+        </p:spPr>
+        <p:txBody>
+          <a:bodyPr wrap="none" rtlCol="0">
+            <a:spAutoFit/>
+          </a:bodyPr>
+          <a:lstStyle/>
+          <a:p>
+            <a:r>
+              <a:rPr kumimoji="1" lang="ja-JP" altLang="en-US" sz="3600" dirty="0" smtClean="0"/>
+              <a:t>直訳すると殴って吹っ飛ばす</a:t>
+            </a:r>
+            <a:r>
+              <a:rPr kumimoji="1" lang="en-US" altLang="ja-JP" sz="3600" dirty="0" smtClean="0"/>
+              <a:t>!</a:t>
+            </a:r>
+            <a:endParaRPr kumimoji="1" lang="ja-JP" altLang="en-US" sz="3600" dirty="0"/>
           </a:p>
         </p:txBody>
       </p:sp>
@@ -4519,12 +4873,147 @@
   <p:clrMapOvr>
     <a:masterClrMapping/>
   </p:clrMapOvr>
+  <mc:AlternateContent xmlns:mc="http://schemas.openxmlformats.org/markup-compatibility/2006">
+    <mc:Choice xmlns:p15="http://schemas.microsoft.com/office/powerpoint/2012/main" Requires="p15">
+      <p:transition xmlns:p14="http://schemas.microsoft.com/office/powerpoint/2010/main" spd="slow" p14:dur="2000">
+        <p15:prstTrans prst="fracture"/>
+      </p:transition>
+    </mc:Choice>
+    <mc:Fallback>
+      <p:transition spd="slow">
+        <p:fade/>
+      </p:transition>
+    </mc:Fallback>
+  </mc:AlternateContent>
   <p:timing>
     <p:tnLst>
       <p:par>
-        <p:cTn id="1" dur="indefinite" restart="never" nodeType="tmRoot"/>
+        <p:cTn id="1" dur="indefinite" restart="never" nodeType="tmRoot">
+          <p:childTnLst>
+            <p:seq concurrent="1" nextAc="seek">
+              <p:cTn id="2" dur="indefinite" nodeType="mainSeq">
+                <p:childTnLst>
+                  <p:par>
+                    <p:cTn id="3" fill="hold">
+                      <p:stCondLst>
+                        <p:cond delay="indefinite"/>
+                      </p:stCondLst>
+                      <p:childTnLst>
+                        <p:par>
+                          <p:cTn id="4" fill="hold">
+                            <p:stCondLst>
+                              <p:cond delay="0"/>
+                            </p:stCondLst>
+                            <p:childTnLst>
+                              <p:par>
+                                <p:cTn id="5" presetID="6" presetClass="exit" presetSubtype="32" fill="hold" grpId="0" nodeType="clickEffect">
+                                  <p:stCondLst>
+                                    <p:cond delay="0"/>
+                                  </p:stCondLst>
+                                  <p:childTnLst>
+                                    <p:animEffect transition="out" filter="circle(out)">
+                                      <p:cBhvr>
+                                        <p:cTn id="6" dur="250"/>
+                                        <p:tgtEl>
+                                          <p:spTgt spid="6"/>
+                                        </p:tgtEl>
+                                      </p:cBhvr>
+                                    </p:animEffect>
+                                    <p:set>
+                                      <p:cBhvr>
+                                        <p:cTn id="7" dur="1" fill="hold">
+                                          <p:stCondLst>
+                                            <p:cond delay="249"/>
+                                          </p:stCondLst>
+                                        </p:cTn>
+                                        <p:tgtEl>
+                                          <p:spTgt spid="6"/>
+                                        </p:tgtEl>
+                                        <p:attrNameLst>
+                                          <p:attrName>style.visibility</p:attrName>
+                                        </p:attrNameLst>
+                                      </p:cBhvr>
+                                      <p:to>
+                                        <p:strVal val="hidden"/>
+                                      </p:to>
+                                    </p:set>
+                                  </p:childTnLst>
+                                </p:cTn>
+                              </p:par>
+                              <p:par>
+                                <p:cTn id="8" presetID="6" presetClass="entr" presetSubtype="16" fill="hold" grpId="0" nodeType="withEffect">
+                                  <p:stCondLst>
+                                    <p:cond delay="0"/>
+                                  </p:stCondLst>
+                                  <p:childTnLst>
+                                    <p:set>
+                                      <p:cBhvr>
+                                        <p:cTn id="9" dur="1" fill="hold">
+                                          <p:stCondLst>
+                                            <p:cond delay="0"/>
+                                          </p:stCondLst>
+                                        </p:cTn>
+                                        <p:tgtEl>
+                                          <p:spTgt spid="3">
+                                            <p:txEl>
+                                              <p:pRg st="0" end="0"/>
+                                            </p:txEl>
+                                          </p:spTgt>
+                                        </p:tgtEl>
+                                        <p:attrNameLst>
+                                          <p:attrName>style.visibility</p:attrName>
+                                        </p:attrNameLst>
+                                      </p:cBhvr>
+                                      <p:to>
+                                        <p:strVal val="visible"/>
+                                      </p:to>
+                                    </p:set>
+                                    <p:animEffect transition="in" filter="circle(in)">
+                                      <p:cBhvr>
+                                        <p:cTn id="10" dur="250"/>
+                                        <p:tgtEl>
+                                          <p:spTgt spid="3">
+                                            <p:txEl>
+                                              <p:pRg st="0" end="0"/>
+                                            </p:txEl>
+                                          </p:spTgt>
+                                        </p:tgtEl>
+                                      </p:cBhvr>
+                                    </p:animEffect>
+                                  </p:childTnLst>
+                                </p:cTn>
+                              </p:par>
+                            </p:childTnLst>
+                          </p:cTn>
+                        </p:par>
+                      </p:childTnLst>
+                    </p:cTn>
+                  </p:par>
+                </p:childTnLst>
+              </p:cTn>
+              <p:prevCondLst>
+                <p:cond evt="onPrev" delay="0">
+                  <p:tgtEl>
+                    <p:sldTgt/>
+                  </p:tgtEl>
+                </p:cond>
+              </p:prevCondLst>
+              <p:nextCondLst>
+                <p:cond evt="onNext" delay="0">
+                  <p:tgtEl>
+                    <p:sldTgt/>
+                  </p:tgtEl>
+                </p:cond>
+              </p:nextCondLst>
+            </p:seq>
+          </p:childTnLst>
+        </p:cTn>
       </p:par>
     </p:tnLst>
+    <p:bldLst>
+      <p:bldP spid="3" grpId="0" build="p"/>
+      <p:bldP spid="6" grpId="0"/>
+    </p:bldLst>
   </p:timing>
 </p:sld>
 </file>
@@ -4663,6 +5152,18 @@
   <p:clrMapOvr>
     <a:masterClrMapping/>
   </p:clrMapOvr>
+  <mc:AlternateContent xmlns:mc="http://schemas.openxmlformats.org/markup-compatibility/2006">
+    <mc:Choice xmlns:p15="http://schemas.microsoft.com/office/powerpoint/2012/main" Requires="p15">
+      <p:transition xmlns:p14="http://schemas.microsoft.com/office/powerpoint/2010/main" spd="slow" p14:dur="2000">
+        <p15:prstTrans prst="fracture"/>
+      </p:transition>
+    </mc:Choice>
+    <mc:Fallback>
+      <p:transition spd="slow">
+        <p:fade/>
+      </p:transition>
+    </mc:Fallback>
+  </mc:AlternateContent>
   <p:timing>
     <p:tnLst>
       <p:par>
@@ -4706,71 +5207,28 @@
           <a:lstStyle/>
           <a:p>
             <a:r>
-              <a:rPr lang="ja-JP" altLang="en-US" dirty="0" smtClean="0"/>
-              <a:t>敵を多く吹っ飛ばせ！</a:t>
-            </a:r>
-            <a:endParaRPr kumimoji="1" lang="ja-JP" altLang="en-US" dirty="0"/>
-          </a:p>
-        </p:txBody>
-      </p:sp>
-      <p:sp>
-        <p:nvSpPr>
-          <p:cNvPr id="3" name="コンテンツ プレースホルダー 2"/>
-          <p:cNvSpPr>
-            <a:spLocks noGrp="1"/>
-          </p:cNvSpPr>
-          <p:nvPr>
-            <p:ph idx="1"/>
-          </p:nvPr>
-        </p:nvSpPr>
-        <p:spPr/>
-        <p:txBody>
-          <a:bodyPr/>
-          <a:lstStyle/>
-          <a:p>
-            <a:r>
-              <a:rPr kumimoji="1" lang="ja-JP" altLang="en-US" dirty="0" smtClean="0"/>
-              <a:t>吹っ飛ばした敵同士が当たるとダメージが入る．</a:t>
-            </a:r>
-            <a:endParaRPr kumimoji="1" lang="en-US" altLang="ja-JP" dirty="0" smtClean="0"/>
-          </a:p>
-          <a:p>
-            <a:endParaRPr lang="en-US" altLang="ja-JP" dirty="0"/>
-          </a:p>
-          <a:p>
-            <a:endParaRPr kumimoji="1" lang="en-US" altLang="ja-JP" dirty="0" smtClean="0"/>
-          </a:p>
-          <a:p>
-            <a:endParaRPr lang="en-US" altLang="ja-JP" dirty="0"/>
-          </a:p>
-          <a:p>
-            <a:endParaRPr kumimoji="1" lang="en-US" altLang="ja-JP" dirty="0" smtClean="0"/>
-          </a:p>
-          <a:p>
-            <a:endParaRPr lang="en-US" altLang="ja-JP" dirty="0"/>
-          </a:p>
-          <a:p>
-            <a:endParaRPr kumimoji="1" lang="en-US" altLang="ja-JP" dirty="0" smtClean="0"/>
-          </a:p>
-          <a:p>
-            <a:r>
-              <a:rPr lang="ja-JP" altLang="en-US" dirty="0" smtClean="0"/>
-              <a:t>うまく敵を多く攻撃しよう</a:t>
-            </a:r>
+              <a:rPr lang="ja-JP" altLang="en-US" dirty="0"/>
+              <a:t>１．敵を多く吹き飛ばせ！</a:t>
+            </a:r>
+            <a:br>
+              <a:rPr lang="ja-JP" altLang="en-US" dirty="0"/>
+            </a:br>
             <a:endParaRPr kumimoji="1" lang="ja-JP" altLang="en-US" dirty="0"/>
           </a:p>
         </p:txBody>
       </p:sp>
       <p:pic>
         <p:nvPicPr>
-          <p:cNvPr id="4" name="図 3"/>
+          <p:cNvPr id="4" name="コンテンツ プレースホルダー 3"/>
           <p:cNvPicPr>
-            <a:picLocks noChangeAspect="1"/>
+            <a:picLocks noGrp="1" noChangeAspect="1"/>
           </p:cNvPicPr>
-          <p:nvPr/>
+          <p:nvPr>
+            <p:ph idx="1"/>
+          </p:nvPr>
         </p:nvPicPr>
         <p:blipFill>
-          <a:blip r:embed="rId2">
+          <a:blip r:embed="rId2" cstate="print">
             <a:extLst>
               <a:ext uri="{28A0092B-C50C-407E-A947-70E740481C1C}">
                 <a14:useLocalDpi xmlns:a14="http://schemas.microsoft.com/office/drawing/2010/main" val="0"/>
@@ -4783,24 +5241,86 @@
         </p:blipFill>
         <p:spPr>
           <a:xfrm>
-            <a:off x="2462548" y="2515608"/>
-            <a:ext cx="1829753" cy="2343150"/>
+            <a:off x="651598" y="1981144"/>
+            <a:ext cx="5244593" cy="4193745"/>
           </a:xfrm>
           <a:prstGeom prst="rect">
             <a:avLst/>
           </a:prstGeom>
         </p:spPr>
       </p:pic>
+      <p:sp>
+        <p:nvSpPr>
+          <p:cNvPr id="5" name="正方形/長方形 4"/>
+          <p:cNvSpPr/>
+          <p:nvPr/>
+        </p:nvSpPr>
+        <p:spPr>
+          <a:xfrm>
+            <a:off x="6275295" y="2691149"/>
+            <a:ext cx="5719482" cy="2308324"/>
+          </a:xfrm>
+          <a:prstGeom prst="rect">
+            <a:avLst/>
+          </a:prstGeom>
+        </p:spPr>
+        <p:txBody>
+          <a:bodyPr wrap="square">
+            <a:spAutoFit/>
+          </a:bodyPr>
+          <a:lstStyle/>
+          <a:p>
+            <a:r>
+              <a:rPr lang="ja-JP" altLang="en-US" sz="3600" dirty="0"/>
+              <a:t>吹き飛ばした敵が</a:t>
+            </a:r>
+            <a:endParaRPr lang="en-US" altLang="ja-JP" sz="3600" dirty="0"/>
+          </a:p>
+          <a:p>
+            <a:r>
+              <a:rPr lang="ja-JP" altLang="en-US" sz="3600" dirty="0"/>
+              <a:t>敵に当たると，大ダメージ．</a:t>
+            </a:r>
+            <a:endParaRPr lang="en-US" altLang="ja-JP" sz="3600" dirty="0"/>
+          </a:p>
+          <a:p>
+            <a:r>
+              <a:rPr lang="ja-JP" altLang="en-US" sz="3600" dirty="0"/>
+              <a:t>多くの敵を巻き込み</a:t>
+            </a:r>
+            <a:endParaRPr lang="en-US" altLang="ja-JP" sz="3600" dirty="0"/>
+          </a:p>
+          <a:p>
+            <a:r>
+              <a:rPr lang="ja-JP" altLang="en-US" sz="3600" dirty="0"/>
+              <a:t>戦おう！</a:t>
+            </a:r>
+            <a:endParaRPr lang="ja-JP" altLang="en-US" sz="3600" dirty="0"/>
+          </a:p>
+        </p:txBody>
+      </p:sp>
     </p:spTree>
     <p:extLst>
       <p:ext uri="{BB962C8B-B14F-4D97-AF65-F5344CB8AC3E}">
-        <p14:creationId xmlns:p14="http://schemas.microsoft.com/office/powerpoint/2010/main" val="598083440"/>
+        <p14:creationId xmlns:p14="http://schemas.microsoft.com/office/powerpoint/2010/main" val="990341344"/>
       </p:ext>
     </p:extLst>
   </p:cSld>
   <p:clrMapOvr>
     <a:masterClrMapping/>
   </p:clrMapOvr>
+  <mc:AlternateContent xmlns:mc="http://schemas.openxmlformats.org/markup-compatibility/2006">
+    <mc:Choice xmlns:p15="http://schemas.microsoft.com/office/powerpoint/2012/main" Requires="p15">
+      <p:transition xmlns:p14="http://schemas.microsoft.com/office/powerpoint/2010/main" spd="slow" p14:dur="2000">
+        <p15:prstTrans prst="fracture"/>
+      </p:transition>
+    </mc:Choice>
+    <mc:Fallback>
+      <p:transition spd="slow">
+        <p:fade/>
+      </p:transition>
+    </mc:Fallback>
+  </mc:AlternateContent>
   <p:timing>
     <p:tnLst>
       <p:par>
@@ -4844,53 +5364,139 @@
           <a:lstStyle/>
           <a:p>
             <a:r>
-              <a:rPr kumimoji="1" lang="ja-JP" altLang="en-US" dirty="0" smtClean="0"/>
-              <a:t>高低差を駆使しよう</a:t>
-            </a:r>
+              <a:rPr lang="en-US" altLang="ja-JP" dirty="0"/>
+              <a:t>2.</a:t>
+            </a:r>
+            <a:r>
+              <a:rPr lang="ja-JP" altLang="en-US" dirty="0"/>
+              <a:t>自分に合ったスタイルで！</a:t>
+            </a:r>
+            <a:br>
+              <a:rPr lang="ja-JP" altLang="en-US" dirty="0"/>
+            </a:br>
             <a:endParaRPr kumimoji="1" lang="ja-JP" altLang="en-US" dirty="0"/>
           </a:p>
         </p:txBody>
       </p:sp>
-      <p:sp>
-        <p:nvSpPr>
-          <p:cNvPr id="3" name="コンテンツ プレースホルダー 2"/>
-          <p:cNvSpPr>
-            <a:spLocks noGrp="1"/>
-          </p:cNvSpPr>
+      <p:pic>
+        <p:nvPicPr>
+          <p:cNvPr id="5" name="コンテンツ プレースホルダー 4"/>
+          <p:cNvPicPr>
+            <a:picLocks noGrp="1" noChangeAspect="1"/>
+          </p:cNvPicPr>
           <p:nvPr>
             <p:ph idx="1"/>
           </p:nvPr>
-        </p:nvSpPr>
-        <p:spPr/>
-        <p:txBody>
-          <a:bodyPr/>
-          <a:lstStyle/>
-          <a:p>
-            <a:r>
-              <a:rPr kumimoji="1" lang="ja-JP" altLang="en-US" dirty="0" smtClean="0"/>
-              <a:t>崖から落とすことで大ダメージ</a:t>
-            </a:r>
-            <a:endParaRPr kumimoji="1" lang="en-US" altLang="ja-JP" dirty="0" smtClean="0"/>
-          </a:p>
-          <a:p>
-            <a:r>
-              <a:rPr lang="ja-JP" altLang="en-US" dirty="0" smtClean="0"/>
-              <a:t>立ち回りをうまくしよう！</a:t>
-            </a:r>
-            <a:endParaRPr lang="en-US" altLang="ja-JP" dirty="0"/>
+        </p:nvPicPr>
+        <p:blipFill>
+          <a:blip r:embed="rId2" cstate="print">
+            <a:extLst>
+              <a:ext uri="{28A0092B-C50C-407E-A947-70E740481C1C}">
+                <a14:useLocalDpi xmlns:a14="http://schemas.microsoft.com/office/drawing/2010/main" val="0"/>
+              </a:ext>
+            </a:extLst>
+          </a:blip>
+          <a:stretch>
+            <a:fillRect/>
+          </a:stretch>
+        </p:blipFill>
+        <p:spPr>
+          <a:xfrm>
+            <a:off x="838200" y="2119257"/>
+            <a:ext cx="4325050" cy="3460040"/>
+          </a:xfrm>
+          <a:prstGeom prst="rect">
+            <a:avLst/>
+          </a:prstGeom>
+        </p:spPr>
+      </p:pic>
+      <p:sp>
+        <p:nvSpPr>
+          <p:cNvPr id="6" name="テキスト ボックス 5"/>
+          <p:cNvSpPr txBox="1"/>
+          <p:nvPr/>
+        </p:nvSpPr>
+        <p:spPr>
+          <a:xfrm>
+            <a:off x="6260515" y="2264227"/>
+            <a:ext cx="5282440" cy="3170099"/>
+          </a:xfrm>
+          <a:prstGeom prst="rect">
+            <a:avLst/>
+          </a:prstGeom>
+          <a:noFill/>
+        </p:spPr>
+        <p:txBody>
+          <a:bodyPr wrap="square" rtlCol="0">
+            <a:spAutoFit/>
+          </a:bodyPr>
+          <a:lstStyle/>
+          <a:p>
+            <a:r>
+              <a:rPr kumimoji="1" lang="ja-JP" altLang="en-US" sz="4000" dirty="0" smtClean="0"/>
+              <a:t>パワー型</a:t>
+            </a:r>
+            <a:r>
+              <a:rPr kumimoji="1" lang="en-US" altLang="ja-JP" sz="4000" dirty="0" smtClean="0"/>
+              <a:t>.</a:t>
+            </a:r>
+            <a:r>
+              <a:rPr kumimoji="1" lang="ja-JP" altLang="en-US" sz="4000" dirty="0" smtClean="0"/>
+              <a:t>バランス型</a:t>
+            </a:r>
+            <a:r>
+              <a:rPr kumimoji="1" lang="en-US" altLang="ja-JP" sz="4000" dirty="0" smtClean="0"/>
+              <a:t>.</a:t>
+            </a:r>
+            <a:r>
+              <a:rPr kumimoji="1" lang="ja-JP" altLang="en-US" sz="4000" dirty="0" smtClean="0"/>
+              <a:t>スピード型の三種類のスタイルがあり</a:t>
+            </a:r>
+            <a:endParaRPr kumimoji="1" lang="en-US" altLang="ja-JP" sz="4000" dirty="0" smtClean="0"/>
+          </a:p>
+          <a:p>
+            <a:r>
+              <a:rPr lang="ja-JP" altLang="en-US" sz="4000" dirty="0"/>
+              <a:t>自分</a:t>
+            </a:r>
+            <a:r>
+              <a:rPr lang="ja-JP" altLang="en-US" sz="4000" dirty="0" smtClean="0"/>
+              <a:t>に合った戦い</a:t>
+            </a:r>
+            <a:r>
+              <a:rPr lang="ja-JP" altLang="en-US" sz="4000" dirty="0"/>
+              <a:t>方</a:t>
+            </a:r>
+            <a:r>
+              <a:rPr lang="ja-JP" altLang="en-US" sz="4000" dirty="0" smtClean="0"/>
+              <a:t>をしよう</a:t>
+            </a:r>
+            <a:endParaRPr kumimoji="1" lang="ja-JP" altLang="en-US" sz="4000" dirty="0"/>
           </a:p>
         </p:txBody>
       </p:sp>
     </p:spTree>
     <p:extLst>
       <p:ext uri="{BB962C8B-B14F-4D97-AF65-F5344CB8AC3E}">
-        <p14:creationId xmlns:p14="http://schemas.microsoft.com/office/powerpoint/2010/main" val="2877033211"/>
+        <p14:creationId xmlns:p14="http://schemas.microsoft.com/office/powerpoint/2010/main" val="2662778219"/>
       </p:ext>
     </p:extLst>
   </p:cSld>
   <p:clrMapOvr>
     <a:masterClrMapping/>
   </p:clrMapOvr>
+  <mc:AlternateContent xmlns:mc="http://schemas.openxmlformats.org/markup-compatibility/2006">
+    <mc:Choice xmlns:p15="http://schemas.microsoft.com/office/powerpoint/2012/main" Requires="p15">
+      <p:transition xmlns:p14="http://schemas.microsoft.com/office/powerpoint/2010/main" spd="slow" p14:dur="2000">
+        <p15:prstTrans prst="fracture"/>
+      </p:transition>
+    </mc:Choice>
+    <mc:Fallback>
+      <p:transition spd="slow">
+        <p:fade/>
+      </p:transition>
+    </mc:Fallback>
+  </mc:AlternateContent>
   <p:timing>
     <p:tnLst>
       <p:par>
@@ -4934,49 +5540,114 @@
           <a:lstStyle/>
           <a:p>
             <a:r>
-              <a:rPr kumimoji="1" lang="ja-JP" altLang="en-US" dirty="0" smtClean="0"/>
-              <a:t>群がる敵を吹き飛ばせ！！</a:t>
-            </a:r>
+              <a:rPr lang="en-US" altLang="ja-JP" dirty="0"/>
+              <a:t>3.</a:t>
+            </a:r>
+            <a:r>
+              <a:rPr lang="ja-JP" altLang="en-US" dirty="0"/>
+              <a:t>高低差を駆使しよう</a:t>
+            </a:r>
+            <a:br>
+              <a:rPr lang="ja-JP" altLang="en-US" dirty="0"/>
+            </a:br>
             <a:endParaRPr kumimoji="1" lang="ja-JP" altLang="en-US" dirty="0"/>
           </a:p>
         </p:txBody>
       </p:sp>
-      <p:sp>
-        <p:nvSpPr>
-          <p:cNvPr id="3" name="テキスト プレースホルダー 2"/>
-          <p:cNvSpPr>
-            <a:spLocks noGrp="1"/>
-          </p:cNvSpPr>
-          <p:nvPr>
-            <p:ph type="body" idx="1"/>
-          </p:nvPr>
-        </p:nvSpPr>
-        <p:spPr/>
-        <p:txBody>
-          <a:bodyPr/>
-          <a:lstStyle/>
-          <a:p>
-            <a:endParaRPr kumimoji="1" lang="ja-JP" altLang="en-US" dirty="0"/>
+      <p:pic>
+        <p:nvPicPr>
+          <p:cNvPr id="4" name="コンテンツ プレースホルダー 3"/>
+          <p:cNvPicPr>
+            <a:picLocks noGrp="1" noChangeAspect="1"/>
+          </p:cNvPicPr>
+          <p:nvPr>
+            <p:ph idx="1"/>
+          </p:nvPr>
+        </p:nvPicPr>
+        <p:blipFill>
+          <a:blip r:embed="rId2" cstate="print">
+            <a:extLst>
+              <a:ext uri="{28A0092B-C50C-407E-A947-70E740481C1C}">
+                <a14:useLocalDpi xmlns:a14="http://schemas.microsoft.com/office/drawing/2010/main" val="0"/>
+              </a:ext>
+            </a:extLst>
+          </a:blip>
+          <a:stretch>
+            <a:fillRect/>
+          </a:stretch>
+        </p:blipFill>
+        <p:spPr>
+          <a:xfrm>
+            <a:off x="838200" y="2234173"/>
+            <a:ext cx="4302431" cy="3441944"/>
+          </a:xfrm>
+          <a:prstGeom prst="rect">
+            <a:avLst/>
+          </a:prstGeom>
+        </p:spPr>
+      </p:pic>
+      <p:sp>
+        <p:nvSpPr>
+          <p:cNvPr id="6" name="テキスト ボックス 5"/>
+          <p:cNvSpPr txBox="1"/>
+          <p:nvPr/>
+        </p:nvSpPr>
+        <p:spPr>
+          <a:xfrm>
+            <a:off x="6096000" y="2800983"/>
+            <a:ext cx="5157831" cy="2308324"/>
+          </a:xfrm>
+          <a:prstGeom prst="rect">
+            <a:avLst/>
+          </a:prstGeom>
+          <a:noFill/>
+        </p:spPr>
+        <p:txBody>
+          <a:bodyPr wrap="square" rtlCol="0">
+            <a:spAutoFit/>
+          </a:bodyPr>
+          <a:lstStyle/>
+          <a:p>
+            <a:r>
+              <a:rPr kumimoji="1" lang="ja-JP" altLang="en-US" sz="3600" dirty="0" smtClean="0"/>
+              <a:t>高低差があり高いところから敵を落とすとダメージになる．</a:t>
+            </a:r>
+            <a:endParaRPr kumimoji="1" lang="en-US" altLang="ja-JP" sz="3600" dirty="0" smtClean="0"/>
+          </a:p>
+          <a:p>
+            <a:r>
+              <a:rPr lang="ja-JP" altLang="en-US" sz="3600" dirty="0" smtClean="0"/>
+              <a:t>うまく立ち回り落そう</a:t>
+            </a:r>
+            <a:r>
+              <a:rPr lang="en-US" altLang="ja-JP" sz="3600" dirty="0" smtClean="0"/>
+              <a:t>.</a:t>
+            </a:r>
           </a:p>
         </p:txBody>
       </p:sp>
     </p:spTree>
     <p:extLst>
       <p:ext uri="{BB962C8B-B14F-4D97-AF65-F5344CB8AC3E}">
-        <p14:creationId xmlns:p14="http://schemas.microsoft.com/office/powerpoint/2010/main" val="1602574738"/>
+        <p14:creationId xmlns:p14="http://schemas.microsoft.com/office/powerpoint/2010/main" val="56836859"/>
       </p:ext>
     </p:extLst>
   </p:cSld>
   <p:clrMapOvr>
     <a:masterClrMapping/>
   </p:clrMapOvr>
-  <p:timing>
-    <p:tnLst>
-      <p:par>
-        <p:cTn id="1" dur="indefinite" restart="never" nodeType="tmRoot"/>
-      </p:par>
-    </p:tnLst>
-  </p:timing>
+  <mc:AlternateContent xmlns:mc="http://schemas.openxmlformats.org/markup-compatibility/2006">
+    <mc:Choice xmlns:p15="http://schemas.microsoft.com/office/powerpoint/2012/main" Requires="p15">
+      <p:transition xmlns:p14="http://schemas.microsoft.com/office/powerpoint/2010/main" spd="slow" p14:dur="2000">
+        <p15:prstTrans prst="fracture"/>
+      </p:transition>
+    </mc:Choice>
+    <mc:Fallback>
+      <p:transition spd="slow">
+        <p:fade/>
+      </p:transition>
+    </mc:Fallback>
+  </mc:AlternateContent>
 </p:sld>
 </file>
 

--- a/無双ゲーム/プレゼンテーション/Blow Off Blow.pptx
+++ b/無双ゲーム/プレゼンテーション/Blow Off Blow.pptx
@@ -202,7 +202,7 @@
           <a:p>
             <a:fld id="{7B58A7A4-BC21-4DF7-812A-DD7D8DE00083}" type="datetimeFigureOut">
               <a:rPr kumimoji="1" lang="ja-JP" altLang="en-US" smtClean="0"/>
-              <a:t>2018/5/11</a:t>
+              <a:t>2018/5/18</a:t>
             </a:fld>
             <a:endParaRPr kumimoji="1" lang="ja-JP" altLang="en-US"/>
           </a:p>
@@ -665,7 +665,7 @@
               <a:t>です</a:t>
             </a:r>
             <a:r>
-              <a:rPr kumimoji="1" lang="en-US" altLang="ja-JP" baseline="0" smtClean="0"/>
+              <a:rPr kumimoji="1" lang="en-US" altLang="ja-JP" baseline="0" dirty="0" smtClean="0"/>
               <a:t>.</a:t>
             </a:r>
           </a:p>
@@ -701,6 +701,258 @@
     <p:extLst>
       <p:ext uri="{BB962C8B-B14F-4D97-AF65-F5344CB8AC3E}">
         <p14:creationId xmlns:p14="http://schemas.microsoft.com/office/powerpoint/2010/main" val="3555529938"/>
+      </p:ext>
+    </p:extLst>
+  </p:cSld>
+  <p:clrMapOvr>
+    <a:masterClrMapping/>
+  </p:clrMapOvr>
+</p:notes>
+</file>
+
+<file path=ppt/notesSlides/notesSlide3.xml><?xml version="1.0" encoding="utf-8"?>
+<p:notes xmlns:a="http://schemas.openxmlformats.org/drawingml/2006/main" xmlns:r="http://schemas.openxmlformats.org/officeDocument/2006/relationships" xmlns:p="http://schemas.openxmlformats.org/presentationml/2006/main">
+  <p:cSld>
+    <p:spTree>
+      <p:nvGrpSpPr>
+        <p:cNvPr id="1" name=""/>
+        <p:cNvGrpSpPr/>
+        <p:nvPr/>
+      </p:nvGrpSpPr>
+      <p:grpSpPr>
+        <a:xfrm>
+          <a:off x="0" y="0"/>
+          <a:ext cx="0" cy="0"/>
+          <a:chOff x="0" y="0"/>
+          <a:chExt cx="0" cy="0"/>
+        </a:xfrm>
+      </p:grpSpPr>
+      <p:sp>
+        <p:nvSpPr>
+          <p:cNvPr id="2" name="スライド イメージ プレースホルダー 1"/>
+          <p:cNvSpPr>
+            <a:spLocks noGrp="1" noRot="1" noChangeAspect="1"/>
+          </p:cNvSpPr>
+          <p:nvPr>
+            <p:ph type="sldImg"/>
+          </p:nvPr>
+        </p:nvSpPr>
+        <p:spPr/>
+      </p:sp>
+      <p:sp>
+        <p:nvSpPr>
+          <p:cNvPr id="3" name="ノート プレースホルダー 2"/>
+          <p:cNvSpPr>
+            <a:spLocks noGrp="1"/>
+          </p:cNvSpPr>
+          <p:nvPr>
+            <p:ph type="body" idx="1"/>
+          </p:nvPr>
+        </p:nvSpPr>
+        <p:spPr/>
+        <p:txBody>
+          <a:bodyPr/>
+          <a:lstStyle/>
+          <a:p>
+            <a:endParaRPr kumimoji="1" lang="ja-JP" altLang="en-US" dirty="0"/>
+          </a:p>
+        </p:txBody>
+      </p:sp>
+      <p:sp>
+        <p:nvSpPr>
+          <p:cNvPr id="4" name="スライド番号プレースホルダー 3"/>
+          <p:cNvSpPr>
+            <a:spLocks noGrp="1"/>
+          </p:cNvSpPr>
+          <p:nvPr>
+            <p:ph type="sldNum" sz="quarter" idx="10"/>
+          </p:nvPr>
+        </p:nvSpPr>
+        <p:spPr/>
+        <p:txBody>
+          <a:bodyPr/>
+          <a:lstStyle/>
+          <a:p>
+            <a:fld id="{86B648BA-716B-4551-A7DE-3E553008158C}" type="slidenum">
+              <a:rPr kumimoji="1" lang="ja-JP" altLang="en-US" smtClean="0"/>
+              <a:t>3</a:t>
+            </a:fld>
+            <a:endParaRPr kumimoji="1" lang="ja-JP" altLang="en-US"/>
+          </a:p>
+        </p:txBody>
+      </p:sp>
+    </p:spTree>
+    <p:extLst>
+      <p:ext uri="{BB962C8B-B14F-4D97-AF65-F5344CB8AC3E}">
+        <p14:creationId xmlns:p14="http://schemas.microsoft.com/office/powerpoint/2010/main" val="1057372568"/>
+      </p:ext>
+    </p:extLst>
+  </p:cSld>
+  <p:clrMapOvr>
+    <a:masterClrMapping/>
+  </p:clrMapOvr>
+</p:notes>
+</file>
+
+<file path=ppt/notesSlides/notesSlide4.xml><?xml version="1.0" encoding="utf-8"?>
+<p:notes xmlns:a="http://schemas.openxmlformats.org/drawingml/2006/main" xmlns:r="http://schemas.openxmlformats.org/officeDocument/2006/relationships" xmlns:p="http://schemas.openxmlformats.org/presentationml/2006/main">
+  <p:cSld>
+    <p:spTree>
+      <p:nvGrpSpPr>
+        <p:cNvPr id="1" name=""/>
+        <p:cNvGrpSpPr/>
+        <p:nvPr/>
+      </p:nvGrpSpPr>
+      <p:grpSpPr>
+        <a:xfrm>
+          <a:off x="0" y="0"/>
+          <a:ext cx="0" cy="0"/>
+          <a:chOff x="0" y="0"/>
+          <a:chExt cx="0" cy="0"/>
+        </a:xfrm>
+      </p:grpSpPr>
+      <p:sp>
+        <p:nvSpPr>
+          <p:cNvPr id="2" name="スライド イメージ プレースホルダー 1"/>
+          <p:cNvSpPr>
+            <a:spLocks noGrp="1" noRot="1" noChangeAspect="1"/>
+          </p:cNvSpPr>
+          <p:nvPr>
+            <p:ph type="sldImg"/>
+          </p:nvPr>
+        </p:nvSpPr>
+        <p:spPr/>
+      </p:sp>
+      <p:sp>
+        <p:nvSpPr>
+          <p:cNvPr id="3" name="ノート プレースホルダー 2"/>
+          <p:cNvSpPr>
+            <a:spLocks noGrp="1"/>
+          </p:cNvSpPr>
+          <p:nvPr>
+            <p:ph type="body" idx="1"/>
+          </p:nvPr>
+        </p:nvSpPr>
+        <p:spPr/>
+        <p:txBody>
+          <a:bodyPr/>
+          <a:lstStyle/>
+          <a:p>
+            <a:endParaRPr kumimoji="1" lang="ja-JP" altLang="en-US" dirty="0"/>
+          </a:p>
+        </p:txBody>
+      </p:sp>
+      <p:sp>
+        <p:nvSpPr>
+          <p:cNvPr id="4" name="スライド番号プレースホルダー 3"/>
+          <p:cNvSpPr>
+            <a:spLocks noGrp="1"/>
+          </p:cNvSpPr>
+          <p:nvPr>
+            <p:ph type="sldNum" sz="quarter" idx="10"/>
+          </p:nvPr>
+        </p:nvSpPr>
+        <p:spPr/>
+        <p:txBody>
+          <a:bodyPr/>
+          <a:lstStyle/>
+          <a:p>
+            <a:fld id="{86B648BA-716B-4551-A7DE-3E553008158C}" type="slidenum">
+              <a:rPr kumimoji="1" lang="ja-JP" altLang="en-US" smtClean="0"/>
+              <a:t>4</a:t>
+            </a:fld>
+            <a:endParaRPr kumimoji="1" lang="ja-JP" altLang="en-US"/>
+          </a:p>
+        </p:txBody>
+      </p:sp>
+    </p:spTree>
+    <p:extLst>
+      <p:ext uri="{BB962C8B-B14F-4D97-AF65-F5344CB8AC3E}">
+        <p14:creationId xmlns:p14="http://schemas.microsoft.com/office/powerpoint/2010/main" val="1870245529"/>
+      </p:ext>
+    </p:extLst>
+  </p:cSld>
+  <p:clrMapOvr>
+    <a:masterClrMapping/>
+  </p:clrMapOvr>
+</p:notes>
+</file>
+
+<file path=ppt/notesSlides/notesSlide5.xml><?xml version="1.0" encoding="utf-8"?>
+<p:notes xmlns:a="http://schemas.openxmlformats.org/drawingml/2006/main" xmlns:r="http://schemas.openxmlformats.org/officeDocument/2006/relationships" xmlns:p="http://schemas.openxmlformats.org/presentationml/2006/main">
+  <p:cSld>
+    <p:spTree>
+      <p:nvGrpSpPr>
+        <p:cNvPr id="1" name=""/>
+        <p:cNvGrpSpPr/>
+        <p:nvPr/>
+      </p:nvGrpSpPr>
+      <p:grpSpPr>
+        <a:xfrm>
+          <a:off x="0" y="0"/>
+          <a:ext cx="0" cy="0"/>
+          <a:chOff x="0" y="0"/>
+          <a:chExt cx="0" cy="0"/>
+        </a:xfrm>
+      </p:grpSpPr>
+      <p:sp>
+        <p:nvSpPr>
+          <p:cNvPr id="2" name="スライド イメージ プレースホルダー 1"/>
+          <p:cNvSpPr>
+            <a:spLocks noGrp="1" noRot="1" noChangeAspect="1"/>
+          </p:cNvSpPr>
+          <p:nvPr>
+            <p:ph type="sldImg"/>
+          </p:nvPr>
+        </p:nvSpPr>
+        <p:spPr/>
+      </p:sp>
+      <p:sp>
+        <p:nvSpPr>
+          <p:cNvPr id="3" name="ノート プレースホルダー 2"/>
+          <p:cNvSpPr>
+            <a:spLocks noGrp="1"/>
+          </p:cNvSpPr>
+          <p:nvPr>
+            <p:ph type="body" idx="1"/>
+          </p:nvPr>
+        </p:nvSpPr>
+        <p:spPr/>
+        <p:txBody>
+          <a:bodyPr/>
+          <a:lstStyle/>
+          <a:p>
+            <a:endParaRPr kumimoji="1" lang="ja-JP" altLang="en-US" dirty="0"/>
+          </a:p>
+        </p:txBody>
+      </p:sp>
+      <p:sp>
+        <p:nvSpPr>
+          <p:cNvPr id="4" name="スライド番号プレースホルダー 3"/>
+          <p:cNvSpPr>
+            <a:spLocks noGrp="1"/>
+          </p:cNvSpPr>
+          <p:nvPr>
+            <p:ph type="sldNum" sz="quarter" idx="10"/>
+          </p:nvPr>
+        </p:nvSpPr>
+        <p:spPr/>
+        <p:txBody>
+          <a:bodyPr/>
+          <a:lstStyle/>
+          <a:p>
+            <a:fld id="{86B648BA-716B-4551-A7DE-3E553008158C}" type="slidenum">
+              <a:rPr kumimoji="1" lang="ja-JP" altLang="en-US" smtClean="0"/>
+              <a:t>6</a:t>
+            </a:fld>
+            <a:endParaRPr kumimoji="1" lang="ja-JP" altLang="en-US"/>
+          </a:p>
+        </p:txBody>
+      </p:sp>
+    </p:spTree>
+    <p:extLst>
+      <p:ext uri="{BB962C8B-B14F-4D97-AF65-F5344CB8AC3E}">
+        <p14:creationId xmlns:p14="http://schemas.microsoft.com/office/powerpoint/2010/main" val="302488384"/>
       </p:ext>
     </p:extLst>
   </p:cSld>
@@ -841,7 +1093,7 @@
           <a:p>
             <a:fld id="{FC0EA7EC-666D-4426-962C-3DC898C4CD07}" type="datetimeFigureOut">
               <a:rPr kumimoji="1" lang="ja-JP" altLang="en-US" smtClean="0"/>
-              <a:t>2018/5/11</a:t>
+              <a:t>2018/5/18</a:t>
             </a:fld>
             <a:endParaRPr kumimoji="1" lang="ja-JP" altLang="en-US"/>
           </a:p>
@@ -899,13 +1151,13 @@
   <p:clrMapOvr>
     <a:masterClrMapping/>
   </p:clrMapOvr>
-  <mc:AlternateContent xmlns:mc="http://schemas.openxmlformats.org/markup-compatibility/2006">
-    <mc:Choice xmlns:p15="http://schemas.microsoft.com/office/powerpoint/2012/main" Requires="p15">
+  <mc:AlternateContent xmlns:mc="http://schemas.openxmlformats.org/markup-compatibility/2006" xmlns:p15="http://schemas.microsoft.com/office/powerpoint/2012/main">
+    <mc:Choice Requires="p15">
       <p:transition xmlns:p14="http://schemas.microsoft.com/office/powerpoint/2010/main" spd="slow" p14:dur="2000">
         <p15:prstTrans prst="fracture"/>
       </p:transition>
     </mc:Choice>
-    <mc:Fallback>
+    <mc:Fallback xmlns="">
       <p:transition spd="slow">
         <p:fade/>
       </p:transition>
@@ -1055,7 +1307,7 @@
           <a:p>
             <a:fld id="{FC0EA7EC-666D-4426-962C-3DC898C4CD07}" type="datetimeFigureOut">
               <a:rPr kumimoji="1" lang="ja-JP" altLang="en-US" smtClean="0"/>
-              <a:t>2018/5/11</a:t>
+              <a:t>2018/5/18</a:t>
             </a:fld>
             <a:endParaRPr kumimoji="1" lang="ja-JP" altLang="en-US"/>
           </a:p>
@@ -1113,13 +1365,13 @@
   <p:clrMapOvr>
     <a:masterClrMapping/>
   </p:clrMapOvr>
-  <mc:AlternateContent xmlns:mc="http://schemas.openxmlformats.org/markup-compatibility/2006">
-    <mc:Choice xmlns:p15="http://schemas.microsoft.com/office/powerpoint/2012/main" Requires="p15">
+  <mc:AlternateContent xmlns:mc="http://schemas.openxmlformats.org/markup-compatibility/2006" xmlns:p15="http://schemas.microsoft.com/office/powerpoint/2012/main">
+    <mc:Choice Requires="p15">
       <p:transition xmlns:p14="http://schemas.microsoft.com/office/powerpoint/2010/main" spd="slow" p14:dur="2000">
         <p15:prstTrans prst="fracture"/>
       </p:transition>
     </mc:Choice>
-    <mc:Fallback>
+    <mc:Fallback xmlns="">
       <p:transition spd="slow">
         <p:fade/>
       </p:transition>
@@ -1279,7 +1531,7 @@
           <a:p>
             <a:fld id="{FC0EA7EC-666D-4426-962C-3DC898C4CD07}" type="datetimeFigureOut">
               <a:rPr kumimoji="1" lang="ja-JP" altLang="en-US" smtClean="0"/>
-              <a:t>2018/5/11</a:t>
+              <a:t>2018/5/18</a:t>
             </a:fld>
             <a:endParaRPr kumimoji="1" lang="ja-JP" altLang="en-US"/>
           </a:p>
@@ -1337,13 +1589,13 @@
   <p:clrMapOvr>
     <a:masterClrMapping/>
   </p:clrMapOvr>
-  <mc:AlternateContent xmlns:mc="http://schemas.openxmlformats.org/markup-compatibility/2006">
-    <mc:Choice xmlns:p15="http://schemas.microsoft.com/office/powerpoint/2012/main" Requires="p15">
+  <mc:AlternateContent xmlns:mc="http://schemas.openxmlformats.org/markup-compatibility/2006" xmlns:p15="http://schemas.microsoft.com/office/powerpoint/2012/main">
+    <mc:Choice Requires="p15">
       <p:transition xmlns:p14="http://schemas.microsoft.com/office/powerpoint/2010/main" spd="slow" p14:dur="2000">
         <p15:prstTrans prst="fracture"/>
       </p:transition>
     </mc:Choice>
-    <mc:Fallback>
+    <mc:Fallback xmlns="">
       <p:transition spd="slow">
         <p:fade/>
       </p:transition>
@@ -1493,7 +1745,7 @@
           <a:p>
             <a:fld id="{FC0EA7EC-666D-4426-962C-3DC898C4CD07}" type="datetimeFigureOut">
               <a:rPr kumimoji="1" lang="ja-JP" altLang="en-US" smtClean="0"/>
-              <a:t>2018/5/11</a:t>
+              <a:t>2018/5/18</a:t>
             </a:fld>
             <a:endParaRPr kumimoji="1" lang="ja-JP" altLang="en-US"/>
           </a:p>
@@ -1551,13 +1803,13 @@
   <p:clrMapOvr>
     <a:masterClrMapping/>
   </p:clrMapOvr>
-  <mc:AlternateContent xmlns:mc="http://schemas.openxmlformats.org/markup-compatibility/2006">
-    <mc:Choice xmlns:p15="http://schemas.microsoft.com/office/powerpoint/2012/main" Requires="p15">
+  <mc:AlternateContent xmlns:mc="http://schemas.openxmlformats.org/markup-compatibility/2006" xmlns:p15="http://schemas.microsoft.com/office/powerpoint/2012/main">
+    <mc:Choice Requires="p15">
       <p:transition xmlns:p14="http://schemas.microsoft.com/office/powerpoint/2010/main" spd="slow" p14:dur="2000">
         <p15:prstTrans prst="fracture"/>
       </p:transition>
     </mc:Choice>
-    <mc:Fallback>
+    <mc:Fallback xmlns="">
       <p:transition spd="slow">
         <p:fade/>
       </p:transition>
@@ -1751,7 +2003,7 @@
           <a:p>
             <a:fld id="{FC0EA7EC-666D-4426-962C-3DC898C4CD07}" type="datetimeFigureOut">
               <a:rPr kumimoji="1" lang="ja-JP" altLang="en-US" smtClean="0"/>
-              <a:t>2018/5/11</a:t>
+              <a:t>2018/5/18</a:t>
             </a:fld>
             <a:endParaRPr kumimoji="1" lang="ja-JP" altLang="en-US"/>
           </a:p>
@@ -1809,13 +2061,13 @@
   <p:clrMapOvr>
     <a:masterClrMapping/>
   </p:clrMapOvr>
-  <mc:AlternateContent xmlns:mc="http://schemas.openxmlformats.org/markup-compatibility/2006">
-    <mc:Choice xmlns:p15="http://schemas.microsoft.com/office/powerpoint/2012/main" Requires="p15">
+  <mc:AlternateContent xmlns:mc="http://schemas.openxmlformats.org/markup-compatibility/2006" xmlns:p15="http://schemas.microsoft.com/office/powerpoint/2012/main">
+    <mc:Choice Requires="p15">
       <p:transition xmlns:p14="http://schemas.microsoft.com/office/powerpoint/2010/main" spd="slow" p14:dur="2000">
         <p15:prstTrans prst="fracture"/>
       </p:transition>
     </mc:Choice>
-    <mc:Fallback>
+    <mc:Fallback xmlns="">
       <p:transition spd="slow">
         <p:fade/>
       </p:transition>
@@ -2059,7 +2311,7 @@
           <a:p>
             <a:fld id="{FC0EA7EC-666D-4426-962C-3DC898C4CD07}" type="datetimeFigureOut">
               <a:rPr kumimoji="1" lang="ja-JP" altLang="en-US" smtClean="0"/>
-              <a:t>2018/5/11</a:t>
+              <a:t>2018/5/18</a:t>
             </a:fld>
             <a:endParaRPr kumimoji="1" lang="ja-JP" altLang="en-US"/>
           </a:p>
@@ -2117,13 +2369,13 @@
   <p:clrMapOvr>
     <a:masterClrMapping/>
   </p:clrMapOvr>
-  <mc:AlternateContent xmlns:mc="http://schemas.openxmlformats.org/markup-compatibility/2006">
-    <mc:Choice xmlns:p15="http://schemas.microsoft.com/office/powerpoint/2012/main" Requires="p15">
+  <mc:AlternateContent xmlns:mc="http://schemas.openxmlformats.org/markup-compatibility/2006" xmlns:p15="http://schemas.microsoft.com/office/powerpoint/2012/main">
+    <mc:Choice Requires="p15">
       <p:transition xmlns:p14="http://schemas.microsoft.com/office/powerpoint/2010/main" spd="slow" p14:dur="2000">
         <p15:prstTrans prst="fracture"/>
       </p:transition>
     </mc:Choice>
-    <mc:Fallback>
+    <mc:Fallback xmlns="">
       <p:transition spd="slow">
         <p:fade/>
       </p:transition>
@@ -2502,7 +2754,7 @@
           <a:p>
             <a:fld id="{FC0EA7EC-666D-4426-962C-3DC898C4CD07}" type="datetimeFigureOut">
               <a:rPr kumimoji="1" lang="ja-JP" altLang="en-US" smtClean="0"/>
-              <a:t>2018/5/11</a:t>
+              <a:t>2018/5/18</a:t>
             </a:fld>
             <a:endParaRPr kumimoji="1" lang="ja-JP" altLang="en-US"/>
           </a:p>
@@ -2560,13 +2812,13 @@
   <p:clrMapOvr>
     <a:masterClrMapping/>
   </p:clrMapOvr>
-  <mc:AlternateContent xmlns:mc="http://schemas.openxmlformats.org/markup-compatibility/2006">
-    <mc:Choice xmlns:p15="http://schemas.microsoft.com/office/powerpoint/2012/main" Requires="p15">
+  <mc:AlternateContent xmlns:mc="http://schemas.openxmlformats.org/markup-compatibility/2006" xmlns:p15="http://schemas.microsoft.com/office/powerpoint/2012/main">
+    <mc:Choice Requires="p15">
       <p:transition xmlns:p14="http://schemas.microsoft.com/office/powerpoint/2010/main" spd="slow" p14:dur="2000">
         <p15:prstTrans prst="fracture"/>
       </p:transition>
     </mc:Choice>
-    <mc:Fallback>
+    <mc:Fallback xmlns="">
       <p:transition spd="slow">
         <p:fade/>
       </p:transition>
@@ -2632,7 +2884,7 @@
           <a:p>
             <a:fld id="{FC0EA7EC-666D-4426-962C-3DC898C4CD07}" type="datetimeFigureOut">
               <a:rPr kumimoji="1" lang="ja-JP" altLang="en-US" smtClean="0"/>
-              <a:t>2018/5/11</a:t>
+              <a:t>2018/5/18</a:t>
             </a:fld>
             <a:endParaRPr kumimoji="1" lang="ja-JP" altLang="en-US"/>
           </a:p>
@@ -2690,13 +2942,13 @@
   <p:clrMapOvr>
     <a:masterClrMapping/>
   </p:clrMapOvr>
-  <mc:AlternateContent xmlns:mc="http://schemas.openxmlformats.org/markup-compatibility/2006">
-    <mc:Choice xmlns:p15="http://schemas.microsoft.com/office/powerpoint/2012/main" Requires="p15">
+  <mc:AlternateContent xmlns:mc="http://schemas.openxmlformats.org/markup-compatibility/2006" xmlns:p15="http://schemas.microsoft.com/office/powerpoint/2012/main">
+    <mc:Choice Requires="p15">
       <p:transition xmlns:p14="http://schemas.microsoft.com/office/powerpoint/2010/main" spd="slow" p14:dur="2000">
         <p15:prstTrans prst="fracture"/>
       </p:transition>
     </mc:Choice>
-    <mc:Fallback>
+    <mc:Fallback xmlns="">
       <p:transition spd="slow">
         <p:fade/>
       </p:transition>
@@ -2739,7 +2991,7 @@
           <a:p>
             <a:fld id="{FC0EA7EC-666D-4426-962C-3DC898C4CD07}" type="datetimeFigureOut">
               <a:rPr kumimoji="1" lang="ja-JP" altLang="en-US" smtClean="0"/>
-              <a:t>2018/5/11</a:t>
+              <a:t>2018/5/18</a:t>
             </a:fld>
             <a:endParaRPr kumimoji="1" lang="ja-JP" altLang="en-US"/>
           </a:p>
@@ -2797,13 +3049,13 @@
   <p:clrMapOvr>
     <a:masterClrMapping/>
   </p:clrMapOvr>
-  <mc:AlternateContent xmlns:mc="http://schemas.openxmlformats.org/markup-compatibility/2006">
-    <mc:Choice xmlns:p15="http://schemas.microsoft.com/office/powerpoint/2012/main" Requires="p15">
+  <mc:AlternateContent xmlns:mc="http://schemas.openxmlformats.org/markup-compatibility/2006" xmlns:p15="http://schemas.microsoft.com/office/powerpoint/2012/main">
+    <mc:Choice Requires="p15">
       <p:transition xmlns:p14="http://schemas.microsoft.com/office/powerpoint/2010/main" spd="slow" p14:dur="2000">
         <p15:prstTrans prst="fracture"/>
       </p:transition>
     </mc:Choice>
-    <mc:Fallback>
+    <mc:Fallback xmlns="">
       <p:transition spd="slow">
         <p:fade/>
       </p:transition>
@@ -3060,7 +3312,7 @@
           <a:p>
             <a:fld id="{FC0EA7EC-666D-4426-962C-3DC898C4CD07}" type="datetimeFigureOut">
               <a:rPr kumimoji="1" lang="ja-JP" altLang="en-US" smtClean="0"/>
-              <a:t>2018/5/11</a:t>
+              <a:t>2018/5/18</a:t>
             </a:fld>
             <a:endParaRPr kumimoji="1" lang="ja-JP" altLang="en-US"/>
           </a:p>
@@ -3118,13 +3370,13 @@
   <p:clrMapOvr>
     <a:masterClrMapping/>
   </p:clrMapOvr>
-  <mc:AlternateContent xmlns:mc="http://schemas.openxmlformats.org/markup-compatibility/2006">
-    <mc:Choice xmlns:p15="http://schemas.microsoft.com/office/powerpoint/2012/main" Requires="p15">
+  <mc:AlternateContent xmlns:mc="http://schemas.openxmlformats.org/markup-compatibility/2006" xmlns:p15="http://schemas.microsoft.com/office/powerpoint/2012/main">
+    <mc:Choice Requires="p15">
       <p:transition xmlns:p14="http://schemas.microsoft.com/office/powerpoint/2010/main" spd="slow" p14:dur="2000">
         <p15:prstTrans prst="fracture"/>
       </p:transition>
     </mc:Choice>
-    <mc:Fallback>
+    <mc:Fallback xmlns="">
       <p:transition spd="slow">
         <p:fade/>
       </p:transition>
@@ -3325,7 +3577,7 @@
           <a:p>
             <a:fld id="{FC0EA7EC-666D-4426-962C-3DC898C4CD07}" type="datetimeFigureOut">
               <a:rPr kumimoji="1" lang="ja-JP" altLang="en-US" smtClean="0"/>
-              <a:t>2018/5/11</a:t>
+              <a:t>2018/5/18</a:t>
             </a:fld>
             <a:endParaRPr kumimoji="1" lang="ja-JP" altLang="en-US"/>
           </a:p>
@@ -3383,13 +3635,13 @@
   <p:clrMapOvr>
     <a:masterClrMapping/>
   </p:clrMapOvr>
-  <mc:AlternateContent xmlns:mc="http://schemas.openxmlformats.org/markup-compatibility/2006">
-    <mc:Choice xmlns:p15="http://schemas.microsoft.com/office/powerpoint/2012/main" Requires="p15">
+  <mc:AlternateContent xmlns:mc="http://schemas.openxmlformats.org/markup-compatibility/2006" xmlns:p15="http://schemas.microsoft.com/office/powerpoint/2012/main">
+    <mc:Choice Requires="p15">
       <p:transition xmlns:p14="http://schemas.microsoft.com/office/powerpoint/2010/main" spd="slow" p14:dur="2000">
         <p15:prstTrans prst="fracture"/>
       </p:transition>
     </mc:Choice>
-    <mc:Fallback>
+    <mc:Fallback xmlns="">
       <p:transition spd="slow">
         <p:fade/>
       </p:transition>
@@ -3582,7 +3834,7 @@
           <a:p>
             <a:fld id="{FC0EA7EC-666D-4426-962C-3DC898C4CD07}" type="datetimeFigureOut">
               <a:rPr kumimoji="1" lang="ja-JP" altLang="en-US" smtClean="0"/>
-              <a:t>2018/5/11</a:t>
+              <a:t>2018/5/18</a:t>
             </a:fld>
             <a:endParaRPr kumimoji="1" lang="ja-JP" altLang="en-US"/>
           </a:p>
@@ -3687,13 +3939,13 @@
     <p:sldLayoutId id="2147483687" r:id="rId10"/>
     <p:sldLayoutId id="2147483688" r:id="rId11"/>
   </p:sldLayoutIdLst>
-  <mc:AlternateContent xmlns:mc="http://schemas.openxmlformats.org/markup-compatibility/2006">
-    <mc:Choice xmlns:p15="http://schemas.microsoft.com/office/powerpoint/2012/main" Requires="p15">
+  <mc:AlternateContent xmlns:mc="http://schemas.openxmlformats.org/markup-compatibility/2006" xmlns:p15="http://schemas.microsoft.com/office/powerpoint/2012/main">
+    <mc:Choice Requires="p15">
       <p:transition xmlns:p14="http://schemas.microsoft.com/office/powerpoint/2010/main" spd="slow" p14:dur="2000">
         <p15:prstTrans prst="fracture"/>
       </p:transition>
     </mc:Choice>
-    <mc:Fallback>
+    <mc:Fallback xmlns="">
       <p:transition spd="slow">
         <p:fade/>
       </p:transition>
@@ -4620,13 +4872,13 @@
   <p:clrMapOvr>
     <a:masterClrMapping/>
   </p:clrMapOvr>
-  <mc:AlternateContent xmlns:mc="http://schemas.openxmlformats.org/markup-compatibility/2006">
-    <mc:Choice xmlns:p15="http://schemas.microsoft.com/office/powerpoint/2012/main" Requires="p15">
+  <mc:AlternateContent xmlns:mc="http://schemas.openxmlformats.org/markup-compatibility/2006" xmlns:p15="http://schemas.microsoft.com/office/powerpoint/2012/main">
+    <mc:Choice Requires="p15">
       <p:transition xmlns:p14="http://schemas.microsoft.com/office/powerpoint/2010/main" spd="slow" p14:dur="2000">
         <p15:prstTrans prst="fracture"/>
       </p:transition>
     </mc:Choice>
-    <mc:Fallback>
+    <mc:Fallback xmlns="">
       <p:transition spd="slow">
         <p:fade/>
       </p:transition>
@@ -4735,11 +4987,7 @@
             </a:r>
             <a:r>
               <a:rPr kumimoji="1" lang="ja-JP" altLang="en-US" sz="4400" dirty="0" smtClean="0"/>
-              <a:t>敵</a:t>
-            </a:r>
-            <a:r>
-              <a:rPr kumimoji="1" lang="ja-JP" altLang="en-US" sz="4400" dirty="0" smtClean="0"/>
-              <a:t>をぶっ飛ばす楽しさ</a:t>
+              <a:t>敵をぶっ飛ばす楽しさ</a:t>
             </a:r>
             <a:endParaRPr kumimoji="1" lang="en-US" altLang="ja-JP" sz="6600" dirty="0" smtClean="0"/>
           </a:p>
@@ -4823,7 +5071,11 @@
             </a:r>
             <a:r>
               <a:rPr kumimoji="1" lang="ja-JP" altLang="en-US" sz="3200" dirty="0" smtClean="0"/>
-              <a:t>無双ゲーム</a:t>
+              <a:t>無双</a:t>
+            </a:r>
+            <a:r>
+              <a:rPr kumimoji="1" lang="ja-JP" altLang="en-US" sz="3200" dirty="0" smtClean="0"/>
+              <a:t>ゲーム</a:t>
             </a:r>
             <a:endParaRPr kumimoji="1" lang="ja-JP" altLang="en-US" sz="3200" dirty="0"/>
           </a:p>
@@ -4837,8 +5089,8 @@
         </p:nvSpPr>
         <p:spPr>
           <a:xfrm>
-            <a:off x="3142307" y="2966733"/>
-            <a:ext cx="5907386" cy="646331"/>
+            <a:off x="4202693" y="2812771"/>
+            <a:ext cx="3786614" cy="1200329"/>
           </a:xfrm>
           <a:prstGeom prst="rect">
             <a:avLst/>
@@ -4851,9 +5103,18 @@
           </a:bodyPr>
           <a:lstStyle/>
           <a:p>
+            <a:pPr algn="ctr"/>
             <a:r>
               <a:rPr kumimoji="1" lang="ja-JP" altLang="en-US" sz="3600" dirty="0" smtClean="0"/>
-              <a:t>直訳すると殴って吹っ飛ばす</a:t>
+              <a:t>直訳すると</a:t>
+            </a:r>
+            <a:endParaRPr kumimoji="1" lang="en-US" altLang="ja-JP" sz="3600" dirty="0" smtClean="0"/>
+          </a:p>
+          <a:p>
+            <a:pPr algn="ctr"/>
+            <a:r>
+              <a:rPr kumimoji="1" lang="ja-JP" altLang="en-US" sz="3600" dirty="0" smtClean="0"/>
+              <a:t>殴って吹っ飛ばす</a:t>
             </a:r>
             <a:r>
               <a:rPr kumimoji="1" lang="en-US" altLang="ja-JP" sz="3600" dirty="0" smtClean="0"/>
@@ -4873,13 +5134,13 @@
   <p:clrMapOvr>
     <a:masterClrMapping/>
   </p:clrMapOvr>
-  <mc:AlternateContent xmlns:mc="http://schemas.openxmlformats.org/markup-compatibility/2006">
-    <mc:Choice xmlns:p15="http://schemas.microsoft.com/office/powerpoint/2012/main" Requires="p15">
+  <mc:AlternateContent xmlns:mc="http://schemas.openxmlformats.org/markup-compatibility/2006" xmlns:p15="http://schemas.microsoft.com/office/powerpoint/2012/main">
+    <mc:Choice Requires="p15">
       <p:transition xmlns:p14="http://schemas.microsoft.com/office/powerpoint/2010/main" spd="slow" p14:dur="2000">
         <p15:prstTrans prst="fracture"/>
       </p:transition>
     </mc:Choice>
-    <mc:Fallback>
+    <mc:Fallback xmlns="">
       <p:transition spd="slow">
         <p:fade/>
       </p:transition>
@@ -5152,13 +5413,13 @@
   <p:clrMapOvr>
     <a:masterClrMapping/>
   </p:clrMapOvr>
-  <mc:AlternateContent xmlns:mc="http://schemas.openxmlformats.org/markup-compatibility/2006">
-    <mc:Choice xmlns:p15="http://schemas.microsoft.com/office/powerpoint/2012/main" Requires="p15">
+  <mc:AlternateContent xmlns:mc="http://schemas.openxmlformats.org/markup-compatibility/2006" xmlns:p15="http://schemas.microsoft.com/office/powerpoint/2012/main">
+    <mc:Choice Requires="p15">
       <p:transition xmlns:p14="http://schemas.microsoft.com/office/powerpoint/2010/main" spd="slow" p14:dur="2000">
         <p15:prstTrans prst="fracture"/>
       </p:transition>
     </mc:Choice>
-    <mc:Fallback>
+    <mc:Fallback xmlns="">
       <p:transition spd="slow">
         <p:fade/>
       </p:transition>
@@ -5228,7 +5489,7 @@
           </p:nvPr>
         </p:nvPicPr>
         <p:blipFill>
-          <a:blip r:embed="rId2" cstate="print">
+          <a:blip r:embed="rId3" cstate="print">
             <a:extLst>
               <a:ext uri="{28A0092B-C50C-407E-A947-70E740481C1C}">
                 <a14:useLocalDpi xmlns:a14="http://schemas.microsoft.com/office/drawing/2010/main" val="0"/>
@@ -5295,7 +5556,6 @@
               <a:rPr lang="ja-JP" altLang="en-US" sz="3600" dirty="0"/>
               <a:t>戦おう！</a:t>
             </a:r>
-            <a:endParaRPr lang="ja-JP" altLang="en-US" sz="3600" dirty="0"/>
           </a:p>
         </p:txBody>
       </p:sp>
@@ -5309,13 +5569,13 @@
   <p:clrMapOvr>
     <a:masterClrMapping/>
   </p:clrMapOvr>
-  <mc:AlternateContent xmlns:mc="http://schemas.openxmlformats.org/markup-compatibility/2006">
-    <mc:Choice xmlns:p15="http://schemas.microsoft.com/office/powerpoint/2012/main" Requires="p15">
+  <mc:AlternateContent xmlns:mc="http://schemas.openxmlformats.org/markup-compatibility/2006" xmlns:p15="http://schemas.microsoft.com/office/powerpoint/2012/main">
+    <mc:Choice Requires="p15">
       <p:transition xmlns:p14="http://schemas.microsoft.com/office/powerpoint/2010/main" spd="slow" p14:dur="2000">
         <p15:prstTrans prst="fracture"/>
       </p:transition>
     </mc:Choice>
-    <mc:Fallback>
+    <mc:Fallback xmlns="">
       <p:transition spd="slow">
         <p:fade/>
       </p:transition>
@@ -5485,13 +5745,13 @@
   <p:clrMapOvr>
     <a:masterClrMapping/>
   </p:clrMapOvr>
-  <mc:AlternateContent xmlns:mc="http://schemas.openxmlformats.org/markup-compatibility/2006">
-    <mc:Choice xmlns:p15="http://schemas.microsoft.com/office/powerpoint/2012/main" Requires="p15">
+  <mc:AlternateContent xmlns:mc="http://schemas.openxmlformats.org/markup-compatibility/2006" xmlns:p15="http://schemas.microsoft.com/office/powerpoint/2012/main">
+    <mc:Choice Requires="p15">
       <p:transition xmlns:p14="http://schemas.microsoft.com/office/powerpoint/2010/main" spd="slow" p14:dur="2000">
         <p15:prstTrans prst="fracture"/>
       </p:transition>
     </mc:Choice>
-    <mc:Fallback>
+    <mc:Fallback xmlns="">
       <p:transition spd="slow">
         <p:fade/>
       </p:transition>
@@ -5565,7 +5825,7 @@
           </p:nvPr>
         </p:nvPicPr>
         <p:blipFill>
-          <a:blip r:embed="rId2" cstate="print">
+          <a:blip r:embed="rId3" cstate="print">
             <a:extLst>
               <a:ext uri="{28A0092B-C50C-407E-A947-70E740481C1C}">
                 <a14:useLocalDpi xmlns:a14="http://schemas.microsoft.com/office/drawing/2010/main" val="0"/>
@@ -5636,18 +5896,25 @@
   <p:clrMapOvr>
     <a:masterClrMapping/>
   </p:clrMapOvr>
-  <mc:AlternateContent xmlns:mc="http://schemas.openxmlformats.org/markup-compatibility/2006">
-    <mc:Choice xmlns:p15="http://schemas.microsoft.com/office/powerpoint/2012/main" Requires="p15">
+  <mc:AlternateContent xmlns:mc="http://schemas.openxmlformats.org/markup-compatibility/2006" xmlns:p15="http://schemas.microsoft.com/office/powerpoint/2012/main">
+    <mc:Choice Requires="p15">
       <p:transition xmlns:p14="http://schemas.microsoft.com/office/powerpoint/2010/main" spd="slow" p14:dur="2000">
         <p15:prstTrans prst="fracture"/>
       </p:transition>
     </mc:Choice>
-    <mc:Fallback>
+    <mc:Fallback xmlns="">
       <p:transition spd="slow">
         <p:fade/>
       </p:transition>
     </mc:Fallback>
   </mc:AlternateContent>
+  <p:timing>
+    <p:tnLst>
+      <p:par>
+        <p:cTn id="1" dur="indefinite" restart="never" nodeType="tmRoot"/>
+      </p:par>
+    </p:tnLst>
+  </p:timing>
 </p:sld>
 </file>
 
